--- a/consumption/presentation2019.pptx
+++ b/consumption/presentation2019.pptx
@@ -7743,7 +7743,7 @@
               <a:pPr>
                 <a:defRPr/>
               </a:pPr>
-              <a:t>6/9/2019</a:t>
+              <a:t>6/10/2019</a:t>
             </a:fld>
             <a:endParaRPr lang="en-US" altLang="en-US"/>
           </a:p>
@@ -8184,7 +8184,7 @@
               <a:pPr>
                 <a:defRPr/>
               </a:pPr>
-              <a:t>6/9/2019</a:t>
+              <a:t>6/10/2019</a:t>
             </a:fld>
             <a:endParaRPr lang="en-US" altLang="en-US"/>
           </a:p>
@@ -8415,7 +8415,7 @@
               <a:pPr>
                 <a:defRPr/>
               </a:pPr>
-              <a:t>6/9/2019</a:t>
+              <a:t>6/10/2019</a:t>
             </a:fld>
             <a:endParaRPr lang="en-US" altLang="en-US"/>
           </a:p>
@@ -8614,7 +8614,7 @@
               <a:pPr>
                 <a:defRPr/>
               </a:pPr>
-              <a:t>6/9/2019</a:t>
+              <a:t>6/10/2019</a:t>
             </a:fld>
             <a:endParaRPr lang="en-US"/>
           </a:p>
@@ -8889,7 +8889,7 @@
               <a:pPr>
                 <a:defRPr/>
               </a:pPr>
-              <a:t>6/9/2019</a:t>
+              <a:t>6/10/2019</a:t>
             </a:fld>
             <a:endParaRPr lang="en-US"/>
           </a:p>
@@ -9149,7 +9149,7 @@
               <a:pPr>
                 <a:defRPr/>
               </a:pPr>
-              <a:t>6/9/2019</a:t>
+              <a:t>6/10/2019</a:t>
             </a:fld>
             <a:endParaRPr lang="en-US" altLang="en-US"/>
           </a:p>
@@ -9544,7 +9544,7 @@
               <a:pPr>
                 <a:defRPr/>
               </a:pPr>
-              <a:t>6/9/2019</a:t>
+              <a:t>6/10/2019</a:t>
             </a:fld>
             <a:endParaRPr lang="en-US"/>
           </a:p>
@@ -9692,7 +9692,7 @@
               <a:pPr>
                 <a:defRPr/>
               </a:pPr>
-              <a:t>6/9/2019</a:t>
+              <a:t>6/10/2019</a:t>
             </a:fld>
             <a:endParaRPr lang="en-US"/>
           </a:p>
@@ -9818,7 +9818,7 @@
               <a:pPr>
                 <a:defRPr/>
               </a:pPr>
-              <a:t>6/9/2019</a:t>
+              <a:t>6/10/2019</a:t>
             </a:fld>
             <a:endParaRPr lang="en-US"/>
           </a:p>
@@ -10124,7 +10124,7 @@
               <a:pPr>
                 <a:defRPr/>
               </a:pPr>
-              <a:t>6/9/2019</a:t>
+              <a:t>6/10/2019</a:t>
             </a:fld>
             <a:endParaRPr lang="en-US"/>
           </a:p>
@@ -10408,7 +10408,7 @@
               <a:pPr>
                 <a:defRPr/>
               </a:pPr>
-              <a:t>6/9/2019</a:t>
+              <a:t>6/10/2019</a:t>
             </a:fld>
             <a:endParaRPr lang="en-US"/>
           </a:p>
@@ -11846,7 +11846,7 @@
               <a:pPr>
                 <a:defRPr/>
               </a:pPr>
-              <a:t>6/9/2019</a:t>
+              <a:t>6/10/2019</a:t>
             </a:fld>
             <a:endParaRPr lang="en-US"/>
           </a:p>
@@ -12055,7 +12055,7 @@
               <a:pPr>
                 <a:defRPr/>
               </a:pPr>
-              <a:t>6/9/2019</a:t>
+              <a:t>6/10/2019</a:t>
             </a:fld>
             <a:endParaRPr lang="en-US"/>
           </a:p>
@@ -16456,7 +16456,7 @@
               <a:pPr>
                 <a:defRPr/>
               </a:pPr>
-              <a:t>6/9/2019</a:t>
+              <a:t>6/10/2019</a:t>
             </a:fld>
             <a:endParaRPr lang="en-US"/>
           </a:p>
@@ -18148,7 +18148,7 @@
           <a:p>
             <a:r>
               <a:rPr lang="en-GB" dirty="0"/>
-              <a:t>Veblen argued that signalling of status is innate in societies.</a:t>
+              <a:t>Veblen argued that signalling of status is innate in societies</a:t>
             </a:r>
           </a:p>
           <a:p>
